--- a/teaching/f15_cpsc217/Week_3_1.pptx
+++ b/teaching/f15_cpsc217/Week_3_1.pptx
@@ -4618,11 +4618,7 @@
             </a:br>
             <a:r>
               <a:rPr lang="en-US" dirty="0" smtClean="0"/>
-              <a:t>Week </a:t>
-            </a:r>
-            <a:r>
-              <a:rPr lang="en-US" dirty="0" smtClean="0"/>
-              <a:t>III</a:t>
+              <a:t>Week III</a:t>
             </a:r>
             <a:endParaRPr lang="en-US" dirty="0"/>
           </a:p>
@@ -4655,13 +4651,8 @@
             </a:pPr>
             <a:r>
               <a:rPr lang="en-US" b="1" dirty="0" smtClean="0"/>
-              <a:t>Part #1: </a:t>
-            </a:r>
-            <a:r>
-              <a:rPr lang="en-US" b="1" dirty="0" smtClean="0"/>
-              <a:t>Base Conversion</a:t>
-            </a:r>
-            <a:endParaRPr lang="en-US" b="1" dirty="0" smtClean="0"/>
+              <a:t>Part #1: Base Conversion</a:t>
+            </a:r>
           </a:p>
           <a:p>
             <a:pPr>
@@ -4790,32 +4781,32 @@
           <a:p>
             <a:pPr lvl="1"/>
             <a:r>
+              <a:rPr lang="en-CA" dirty="0" err="1" smtClean="0"/>
+              <a:t>B</a:t>
+            </a:r>
+            <a:r>
+              <a:rPr lang="en-CA" baseline="30000" dirty="0" err="1" smtClean="0"/>
+              <a:t>n</a:t>
+            </a:r>
+            <a:r>
+              <a:rPr lang="en-CA" dirty="0" smtClean="0"/>
+              <a:t> </a:t>
+            </a:r>
+            <a:r>
+              <a:rPr lang="en-CA" dirty="0"/>
+              <a:t>≤</a:t>
+            </a:r>
+            <a:r>
+              <a:rPr lang="en-CA" dirty="0" smtClean="0"/>
+              <a:t> x ≤ </a:t>
+            </a:r>
+            <a:r>
               <a:rPr lang="en-CA" dirty="0" smtClean="0"/>
               <a:t>B</a:t>
             </a:r>
             <a:r>
               <a:rPr lang="en-CA" baseline="30000" dirty="0" smtClean="0"/>
-              <a:t>n-1</a:t>
-            </a:r>
-            <a:r>
-              <a:rPr lang="en-CA" dirty="0" smtClean="0"/>
-              <a:t> </a:t>
-            </a:r>
-            <a:r>
-              <a:rPr lang="en-CA" dirty="0"/>
-              <a:t>≤</a:t>
-            </a:r>
-            <a:r>
-              <a:rPr lang="en-CA" dirty="0" smtClean="0"/>
-              <a:t> x ≤ </a:t>
-            </a:r>
-            <a:r>
-              <a:rPr lang="en-CA" dirty="0" err="1" smtClean="0"/>
-              <a:t>B</a:t>
-            </a:r>
-            <a:r>
-              <a:rPr lang="en-CA" baseline="30000" dirty="0" err="1" smtClean="0"/>
-              <a:t>n</a:t>
+              <a:t>n+1</a:t>
             </a:r>
             <a:endParaRPr lang="en-CA" dirty="0" smtClean="0"/>
           </a:p>
@@ -4833,6 +4824,14 @@
               <a:t> such that </a:t>
             </a:r>
             <a:r>
+              <a:rPr lang="en-CA" i="1" dirty="0" smtClean="0"/>
+              <a:t>x</a:t>
+            </a:r>
+            <a:r>
+              <a:rPr lang="en-CA" dirty="0" smtClean="0"/>
+              <a:t> is not that much larger than </a:t>
+            </a:r>
+            <a:r>
               <a:rPr lang="en-CA" i="1" dirty="0" err="1" smtClean="0"/>
               <a:t>B</a:t>
             </a:r>
@@ -4842,21 +4841,17 @@
             </a:r>
             <a:r>
               <a:rPr lang="en-CA" dirty="0" smtClean="0"/>
-              <a:t> is not that much larger than </a:t>
-            </a:r>
-            <a:r>
-              <a:rPr lang="en-CA" i="1" dirty="0" smtClean="0"/>
-              <a:t>x</a:t>
-            </a:r>
+              <a:t> .</a:t>
+            </a:r>
+          </a:p>
+          <a:p>
             <a:r>
               <a:rPr lang="en-CA" dirty="0" smtClean="0"/>
-              <a:t>.</a:t>
-            </a:r>
-          </a:p>
-          <a:p>
+              <a:t>So </a:t>
+            </a:r>
             <a:r>
               <a:rPr lang="en-CA" dirty="0" smtClean="0"/>
-              <a:t>So if we have a decimal number of 65 and we want to convert it into a Base 4 number, we choose </a:t>
+              <a:t>if we have a decimal number of 65 and we want to convert it into a Base 4 number, we choose </a:t>
             </a:r>
             <a:r>
               <a:rPr lang="en-CA" i="1" dirty="0" smtClean="0"/>
@@ -5637,7 +5632,6 @@
               <a:rPr lang="en-US" dirty="0" smtClean="0"/>
               <a:t>General Idea for Conversion</a:t>
             </a:r>
-            <a:endParaRPr lang="en-US" dirty="0" smtClean="0"/>
           </a:p>
           <a:p>
             <a:r>
@@ -6028,11 +6022,7 @@
             </a:pPr>
             <a:r>
               <a:rPr lang="en-US" i="1" dirty="0" smtClean="0"/>
-              <a:t>“I know that</a:t>
-            </a:r>
-            <a:r>
-              <a:rPr lang="en-US" i="1" dirty="0" smtClean="0"/>
-              <a:t> </a:t>
+              <a:t>“I know that </a:t>
             </a:r>
             <a:r>
               <a:rPr lang="en-US" i="1" dirty="0"/>
